--- a/llvm/LLVM.pptx
+++ b/llvm/LLVM.pptx
@@ -234,7 +234,7 @@
           <a:p>
             <a:fld id="{AECE1B26-6A74-492D-B04F-94149A6AB4F8}" type="datetimeFigureOut">
               <a:rPr lang="zh-CN" altLang="en-US" smtClean="0"/>
-              <a:t>2019/8/18</a:t>
+              <a:t>2019/8/20</a:t>
             </a:fld>
             <a:endParaRPr lang="zh-CN" altLang="en-US"/>
           </a:p>
@@ -2730,7 +2730,7 @@
           <a:p>
             <a:fld id="{3D0A598E-1133-4548-9FE0-915161A3608D}" type="datetimeFigureOut">
               <a:rPr lang="zh-CN" altLang="en-US" smtClean="0"/>
-              <a:t>2019/8/18</a:t>
+              <a:t>2019/8/20</a:t>
             </a:fld>
             <a:endParaRPr lang="zh-CN" altLang="en-US"/>
           </a:p>
@@ -2898,7 +2898,7 @@
           <a:p>
             <a:fld id="{3D0A598E-1133-4548-9FE0-915161A3608D}" type="datetimeFigureOut">
               <a:rPr lang="zh-CN" altLang="en-US" smtClean="0"/>
-              <a:t>2019/8/18</a:t>
+              <a:t>2019/8/20</a:t>
             </a:fld>
             <a:endParaRPr lang="zh-CN" altLang="en-US"/>
           </a:p>
@@ -3076,7 +3076,7 @@
           <a:p>
             <a:fld id="{3D0A598E-1133-4548-9FE0-915161A3608D}" type="datetimeFigureOut">
               <a:rPr lang="zh-CN" altLang="en-US" smtClean="0"/>
-              <a:t>2019/8/18</a:t>
+              <a:t>2019/8/20</a:t>
             </a:fld>
             <a:endParaRPr lang="zh-CN" altLang="en-US"/>
           </a:p>
@@ -3244,7 +3244,7 @@
           <a:p>
             <a:fld id="{3D0A598E-1133-4548-9FE0-915161A3608D}" type="datetimeFigureOut">
               <a:rPr lang="zh-CN" altLang="en-US" smtClean="0"/>
-              <a:t>2019/8/18</a:t>
+              <a:t>2019/8/20</a:t>
             </a:fld>
             <a:endParaRPr lang="zh-CN" altLang="en-US"/>
           </a:p>
@@ -3489,7 +3489,7 @@
           <a:p>
             <a:fld id="{3D0A598E-1133-4548-9FE0-915161A3608D}" type="datetimeFigureOut">
               <a:rPr lang="zh-CN" altLang="en-US" smtClean="0"/>
-              <a:t>2019/8/18</a:t>
+              <a:t>2019/8/20</a:t>
             </a:fld>
             <a:endParaRPr lang="zh-CN" altLang="en-US"/>
           </a:p>
@@ -3718,7 +3718,7 @@
           <a:p>
             <a:fld id="{3D0A598E-1133-4548-9FE0-915161A3608D}" type="datetimeFigureOut">
               <a:rPr lang="zh-CN" altLang="en-US" smtClean="0"/>
-              <a:t>2019/8/18</a:t>
+              <a:t>2019/8/20</a:t>
             </a:fld>
             <a:endParaRPr lang="zh-CN" altLang="en-US"/>
           </a:p>
@@ -4082,7 +4082,7 @@
           <a:p>
             <a:fld id="{3D0A598E-1133-4548-9FE0-915161A3608D}" type="datetimeFigureOut">
               <a:rPr lang="zh-CN" altLang="en-US" smtClean="0"/>
-              <a:t>2019/8/18</a:t>
+              <a:t>2019/8/20</a:t>
             </a:fld>
             <a:endParaRPr lang="zh-CN" altLang="en-US"/>
           </a:p>
@@ -4668,7 +4668,7 @@
           <a:p>
             <a:fld id="{3D0A598E-1133-4548-9FE0-915161A3608D}" type="datetimeFigureOut">
               <a:rPr lang="zh-CN" altLang="en-US" smtClean="0"/>
-              <a:t>2019/8/18</a:t>
+              <a:t>2019/8/20</a:t>
             </a:fld>
             <a:endParaRPr lang="zh-CN" altLang="en-US"/>
           </a:p>
@@ -4763,7 +4763,7 @@
           <a:p>
             <a:fld id="{3D0A598E-1133-4548-9FE0-915161A3608D}" type="datetimeFigureOut">
               <a:rPr lang="zh-CN" altLang="en-US" smtClean="0"/>
-              <a:t>2019/8/18</a:t>
+              <a:t>2019/8/20</a:t>
             </a:fld>
             <a:endParaRPr lang="zh-CN" altLang="en-US"/>
           </a:p>
@@ -5038,7 +5038,7 @@
           <a:p>
             <a:fld id="{3D0A598E-1133-4548-9FE0-915161A3608D}" type="datetimeFigureOut">
               <a:rPr lang="zh-CN" altLang="en-US" smtClean="0"/>
-              <a:t>2019/8/18</a:t>
+              <a:t>2019/8/20</a:t>
             </a:fld>
             <a:endParaRPr lang="zh-CN" altLang="en-US"/>
           </a:p>
@@ -5290,7 +5290,7 @@
           <a:p>
             <a:fld id="{3D0A598E-1133-4548-9FE0-915161A3608D}" type="datetimeFigureOut">
               <a:rPr lang="zh-CN" altLang="en-US" smtClean="0"/>
-              <a:t>2019/8/18</a:t>
+              <a:t>2019/8/20</a:t>
             </a:fld>
             <a:endParaRPr lang="zh-CN" altLang="en-US"/>
           </a:p>
@@ -5516,7 +5516,7 @@
           <a:p>
             <a:fld id="{3D0A598E-1133-4548-9FE0-915161A3608D}" type="datetimeFigureOut">
               <a:rPr lang="zh-CN" altLang="en-US" smtClean="0"/>
-              <a:t>2019/8/18</a:t>
+              <a:t>2019/8/20</a:t>
             </a:fld>
             <a:endParaRPr lang="zh-CN" altLang="en-US"/>
           </a:p>
@@ -6908,8 +6908,8 @@
         </p:nvSpPr>
         <p:spPr>
           <a:xfrm>
-            <a:off x="7344298" y="3029978"/>
-            <a:ext cx="1902031" cy="798044"/>
+            <a:off x="6902245" y="3029978"/>
+            <a:ext cx="2825463" cy="798044"/>
           </a:xfrm>
           <a:prstGeom prst="rect">
             <a:avLst/>
@@ -6960,11 +6960,70 @@
               </a:rPr>
               <a:t>语句</a:t>
             </a:r>
-            <a:endParaRPr kumimoji="1" lang="en-US" altLang="zh-CN" dirty="0">
-              <a:solidFill>
-                <a:schemeClr val="bg1"/>
-              </a:solidFill>
-            </a:endParaRPr>
+            <a:r>
+              <a:rPr kumimoji="1" lang="en-US" altLang="zh-CN" dirty="0">
+                <a:solidFill>
+                  <a:schemeClr val="bg1"/>
+                </a:solidFill>
+              </a:rPr>
+              <a:t>(int</a:t>
+            </a:r>
+            <a:r>
+              <a:rPr kumimoji="1" lang="zh-CN" altLang="en-US" dirty="0">
+                <a:solidFill>
+                  <a:schemeClr val="bg1"/>
+                </a:solidFill>
+              </a:rPr>
+              <a:t> </a:t>
+            </a:r>
+            <a:r>
+              <a:rPr kumimoji="1" lang="en-US" altLang="zh-CN" dirty="0">
+                <a:solidFill>
+                  <a:schemeClr val="bg1"/>
+                </a:solidFill>
+              </a:rPr>
+              <a:t>c</a:t>
+            </a:r>
+            <a:r>
+              <a:rPr kumimoji="1" lang="zh-CN" altLang="en-US" dirty="0">
+                <a:solidFill>
+                  <a:schemeClr val="bg1"/>
+                </a:solidFill>
+              </a:rPr>
+              <a:t> </a:t>
+            </a:r>
+            <a:r>
+              <a:rPr kumimoji="1" lang="en-US" altLang="zh-CN" dirty="0">
+                <a:solidFill>
+                  <a:schemeClr val="bg1"/>
+                </a:solidFill>
+              </a:rPr>
+              <a:t>=</a:t>
+            </a:r>
+            <a:r>
+              <a:rPr kumimoji="1" lang="zh-CN" altLang="en-US" dirty="0">
+                <a:solidFill>
+                  <a:schemeClr val="bg1"/>
+                </a:solidFill>
+              </a:rPr>
+              <a:t> </a:t>
+            </a:r>
+            <a:r>
+              <a:rPr kumimoji="1" lang="en-US" altLang="zh-CN" dirty="0" err="1">
+                <a:solidFill>
+                  <a:schemeClr val="bg1"/>
+                </a:solidFill>
+              </a:rPr>
+              <a:t>a+b+c</a:t>
+            </a:r>
+            <a:r>
+              <a:rPr kumimoji="1" lang="en-US" altLang="zh-CN" dirty="0">
+                <a:solidFill>
+                  <a:schemeClr val="bg1"/>
+                </a:solidFill>
+              </a:rPr>
+              <a:t>)</a:t>
+            </a:r>
           </a:p>
         </p:txBody>
       </p:sp>
@@ -7686,6 +7745,7 @@
             </a:extLst>
           </p:cNvPr>
           <p:cNvCxnSpPr>
+            <a:cxnSpLocks/>
             <a:stCxn id="11" idx="2"/>
             <a:endCxn id="12" idx="0"/>
           </p:cNvCxnSpPr>
@@ -7694,7 +7754,7 @@
         <p:spPr>
           <a:xfrm>
             <a:off x="8283439" y="2580389"/>
-            <a:ext cx="11875" cy="449589"/>
+            <a:ext cx="31538" cy="449589"/>
           </a:xfrm>
           <a:prstGeom prst="straightConnector1">
             <a:avLst/>
@@ -7735,8 +7795,8 @@
         </p:nvCxnSpPr>
         <p:spPr>
           <a:xfrm>
-            <a:off x="8295314" y="3828022"/>
-            <a:ext cx="35625" cy="635717"/>
+            <a:off x="8314977" y="3828022"/>
+            <a:ext cx="15963" cy="635717"/>
           </a:xfrm>
           <a:prstGeom prst="straightConnector1">
             <a:avLst/>
@@ -15492,188 +15552,6 @@
                       </p:childTnLst>
                     </p:cTn>
                   </p:par>
-                  <p:par>
-                    <p:cTn id="33" fill="hold">
-                      <p:stCondLst>
-                        <p:cond delay="indefinite"/>
-                      </p:stCondLst>
-                      <p:childTnLst>
-                        <p:par>
-                          <p:cTn id="34" fill="hold">
-                            <p:stCondLst>
-                              <p:cond delay="0"/>
-                            </p:stCondLst>
-                            <p:childTnLst>
-                              <p:par>
-                                <p:cTn id="35" presetID="2" presetClass="entr" presetSubtype="4" fill="hold" nodeType="clickEffect">
-                                  <p:stCondLst>
-                                    <p:cond delay="0"/>
-                                  </p:stCondLst>
-                                  <p:childTnLst>
-                                    <p:set>
-                                      <p:cBhvr>
-                                        <p:cTn id="36" dur="1" fill="hold">
-                                          <p:stCondLst>
-                                            <p:cond delay="0"/>
-                                          </p:stCondLst>
-                                        </p:cTn>
-                                        <p:tgtEl>
-                                          <p:spTgt spid="2"/>
-                                        </p:tgtEl>
-                                        <p:attrNameLst>
-                                          <p:attrName>style.visibility</p:attrName>
-                                        </p:attrNameLst>
-                                      </p:cBhvr>
-                                      <p:to>
-                                        <p:strVal val="visible"/>
-                                      </p:to>
-                                    </p:set>
-                                    <p:anim calcmode="lin" valueType="num">
-                                      <p:cBhvr additive="base">
-                                        <p:cTn id="37" dur="500" fill="hold"/>
-                                        <p:tgtEl>
-                                          <p:spTgt spid="2"/>
-                                        </p:tgtEl>
-                                        <p:attrNameLst>
-                                          <p:attrName>ppt_x</p:attrName>
-                                        </p:attrNameLst>
-                                      </p:cBhvr>
-                                      <p:tavLst>
-                                        <p:tav tm="0">
-                                          <p:val>
-                                            <p:strVal val="#ppt_x"/>
-                                          </p:val>
-                                        </p:tav>
-                                        <p:tav tm="100000">
-                                          <p:val>
-                                            <p:strVal val="#ppt_x"/>
-                                          </p:val>
-                                        </p:tav>
-                                      </p:tavLst>
-                                    </p:anim>
-                                    <p:anim calcmode="lin" valueType="num">
-                                      <p:cBhvr additive="base">
-                                        <p:cTn id="38" dur="500" fill="hold"/>
-                                        <p:tgtEl>
-                                          <p:spTgt spid="2"/>
-                                        </p:tgtEl>
-                                        <p:attrNameLst>
-                                          <p:attrName>ppt_y</p:attrName>
-                                        </p:attrNameLst>
-                                      </p:cBhvr>
-                                      <p:tavLst>
-                                        <p:tav tm="0">
-                                          <p:val>
-                                            <p:strVal val="1+#ppt_h/2"/>
-                                          </p:val>
-                                        </p:tav>
-                                        <p:tav tm="100000">
-                                          <p:val>
-                                            <p:strVal val="#ppt_y"/>
-                                          </p:val>
-                                        </p:tav>
-                                      </p:tavLst>
-                                    </p:anim>
-                                  </p:childTnLst>
-                                </p:cTn>
-                              </p:par>
-                            </p:childTnLst>
-                          </p:cTn>
-                        </p:par>
-                      </p:childTnLst>
-                    </p:cTn>
-                  </p:par>
-                  <p:par>
-                    <p:cTn id="39" fill="hold">
-                      <p:stCondLst>
-                        <p:cond delay="indefinite"/>
-                      </p:stCondLst>
-                      <p:childTnLst>
-                        <p:par>
-                          <p:cTn id="40" fill="hold">
-                            <p:stCondLst>
-                              <p:cond delay="0"/>
-                            </p:stCondLst>
-                            <p:childTnLst>
-                              <p:par>
-                                <p:cTn id="41" presetID="2" presetClass="entr" presetSubtype="4" fill="hold" nodeType="clickEffect">
-                                  <p:stCondLst>
-                                    <p:cond delay="0"/>
-                                  </p:stCondLst>
-                                  <p:childTnLst>
-                                    <p:set>
-                                      <p:cBhvr>
-                                        <p:cTn id="42" dur="1" fill="hold">
-                                          <p:stCondLst>
-                                            <p:cond delay="0"/>
-                                          </p:stCondLst>
-                                        </p:cTn>
-                                        <p:tgtEl>
-                                          <p:spTgt spid="5"/>
-                                        </p:tgtEl>
-                                        <p:attrNameLst>
-                                          <p:attrName>style.visibility</p:attrName>
-                                        </p:attrNameLst>
-                                      </p:cBhvr>
-                                      <p:to>
-                                        <p:strVal val="visible"/>
-                                      </p:to>
-                                    </p:set>
-                                    <p:anim calcmode="lin" valueType="num">
-                                      <p:cBhvr additive="base">
-                                        <p:cTn id="43" dur="500" fill="hold"/>
-                                        <p:tgtEl>
-                                          <p:spTgt spid="5"/>
-                                        </p:tgtEl>
-                                        <p:attrNameLst>
-                                          <p:attrName>ppt_x</p:attrName>
-                                        </p:attrNameLst>
-                                      </p:cBhvr>
-                                      <p:tavLst>
-                                        <p:tav tm="0">
-                                          <p:val>
-                                            <p:strVal val="#ppt_x"/>
-                                          </p:val>
-                                        </p:tav>
-                                        <p:tav tm="100000">
-                                          <p:val>
-                                            <p:strVal val="#ppt_x"/>
-                                          </p:val>
-                                        </p:tav>
-                                      </p:tavLst>
-                                    </p:anim>
-                                    <p:anim calcmode="lin" valueType="num">
-                                      <p:cBhvr additive="base">
-                                        <p:cTn id="44" dur="500" fill="hold"/>
-                                        <p:tgtEl>
-                                          <p:spTgt spid="5"/>
-                                        </p:tgtEl>
-                                        <p:attrNameLst>
-                                          <p:attrName>ppt_y</p:attrName>
-                                        </p:attrNameLst>
-                                      </p:cBhvr>
-                                      <p:tavLst>
-                                        <p:tav tm="0">
-                                          <p:val>
-                                            <p:strVal val="1+#ppt_h/2"/>
-                                          </p:val>
-                                        </p:tav>
-                                        <p:tav tm="100000">
-                                          <p:val>
-                                            <p:strVal val="#ppt_y"/>
-                                          </p:val>
-                                        </p:tav>
-                                      </p:tavLst>
-                                    </p:anim>
-                                  </p:childTnLst>
-                                </p:cTn>
-                              </p:par>
-                            </p:childTnLst>
-                          </p:cTn>
-                        </p:par>
-                      </p:childTnLst>
-                    </p:cTn>
-                  </p:par>
                 </p:childTnLst>
               </p:cTn>
               <p:prevCondLst>
@@ -18353,36 +18231,6 @@
           </a:p>
         </p:txBody>
       </p:sp>
-      <p:pic>
-        <p:nvPicPr>
-          <p:cNvPr id="2" name="图片 1">
-            <a:extLst>
-              <a:ext uri="{FF2B5EF4-FFF2-40B4-BE49-F238E27FC236}">
-                <a16:creationId xmlns:a16="http://schemas.microsoft.com/office/drawing/2014/main" id="{19D11074-3AF8-F84B-A802-98A076C56CF0}"/>
-              </a:ext>
-            </a:extLst>
-          </p:cNvPr>
-          <p:cNvPicPr>
-            <a:picLocks noChangeAspect="1"/>
-          </p:cNvPicPr>
-          <p:nvPr/>
-        </p:nvPicPr>
-        <p:blipFill>
-          <a:blip r:embed="rId4"/>
-          <a:stretch>
-            <a:fillRect/>
-          </a:stretch>
-        </p:blipFill>
-        <p:spPr>
-          <a:xfrm>
-            <a:off x="446977" y="1864183"/>
-            <a:ext cx="7616435" cy="2873440"/>
-          </a:xfrm>
-          <a:prstGeom prst="rect">
-            <a:avLst/>
-          </a:prstGeom>
-        </p:spPr>
-      </p:pic>
       <p:sp>
         <p:nvSpPr>
           <p:cNvPr id="12" name="文本框 11">
@@ -18514,7 +18362,7 @@
           <p:nvPr/>
         </p:nvPicPr>
         <p:blipFill>
-          <a:blip r:embed="rId5"/>
+          <a:blip r:embed="rId4"/>
           <a:stretch>
             <a:fillRect/>
           </a:stretch>
@@ -18523,6 +18371,36 @@
           <a:xfrm>
             <a:off x="347824" y="5334625"/>
             <a:ext cx="6502400" cy="1003300"/>
+          </a:xfrm>
+          <a:prstGeom prst="rect">
+            <a:avLst/>
+          </a:prstGeom>
+        </p:spPr>
+      </p:pic>
+      <p:pic>
+        <p:nvPicPr>
+          <p:cNvPr id="7" name="图片 6">
+            <a:extLst>
+              <a:ext uri="{FF2B5EF4-FFF2-40B4-BE49-F238E27FC236}">
+                <a16:creationId xmlns:a16="http://schemas.microsoft.com/office/drawing/2014/main" id="{3256E82D-4631-6849-9D26-31A4468CDF36}"/>
+              </a:ext>
+            </a:extLst>
+          </p:cNvPr>
+          <p:cNvPicPr>
+            <a:picLocks noChangeAspect="1"/>
+          </p:cNvPicPr>
+          <p:nvPr/>
+        </p:nvPicPr>
+        <p:blipFill>
+          <a:blip r:embed="rId5"/>
+          <a:stretch>
+            <a:fillRect/>
+          </a:stretch>
+        </p:blipFill>
+        <p:spPr>
+          <a:xfrm>
+            <a:off x="437976" y="1753745"/>
+            <a:ext cx="6928739" cy="2942341"/>
           </a:xfrm>
           <a:prstGeom prst="rect">
             <a:avLst/>
@@ -18617,7 +18495,7 @@
                             </p:stCondLst>
                             <p:childTnLst>
                               <p:par>
-                                <p:cTn id="9" presetID="2" presetClass="entr" presetSubtype="4" fill="hold" nodeType="clickEffect">
+                                <p:cTn id="9" presetID="9" presetClass="entr" presetSubtype="0" fill="hold" nodeType="clickEffect">
                                   <p:stCondLst>
                                     <p:cond delay="0"/>
                                   </p:stCondLst>
@@ -18630,7 +18508,7 @@
                                           </p:stCondLst>
                                         </p:cTn>
                                         <p:tgtEl>
-                                          <p:spTgt spid="2"/>
+                                          <p:spTgt spid="7"/>
                                         </p:tgtEl>
                                         <p:attrNameLst>
                                           <p:attrName>style.visibility</p:attrName>
@@ -18640,52 +18518,14 @@
                                         <p:strVal val="visible"/>
                                       </p:to>
                                     </p:set>
-                                    <p:anim calcmode="lin" valueType="num">
-                                      <p:cBhvr additive="base">
-                                        <p:cTn id="11" dur="500" fill="hold"/>
-                                        <p:tgtEl>
-                                          <p:spTgt spid="2"/>
-                                        </p:tgtEl>
-                                        <p:attrNameLst>
-                                          <p:attrName>ppt_x</p:attrName>
-                                        </p:attrNameLst>
-                                      </p:cBhvr>
-                                      <p:tavLst>
-                                        <p:tav tm="0">
-                                          <p:val>
-                                            <p:strVal val="#ppt_x"/>
-                                          </p:val>
-                                        </p:tav>
-                                        <p:tav tm="100000">
-                                          <p:val>
-                                            <p:strVal val="#ppt_x"/>
-                                          </p:val>
-                                        </p:tav>
-                                      </p:tavLst>
-                                    </p:anim>
-                                    <p:anim calcmode="lin" valueType="num">
-                                      <p:cBhvr additive="base">
-                                        <p:cTn id="12" dur="500" fill="hold"/>
-                                        <p:tgtEl>
-                                          <p:spTgt spid="2"/>
-                                        </p:tgtEl>
-                                        <p:attrNameLst>
-                                          <p:attrName>ppt_y</p:attrName>
-                                        </p:attrNameLst>
-                                      </p:cBhvr>
-                                      <p:tavLst>
-                                        <p:tav tm="0">
-                                          <p:val>
-                                            <p:strVal val="1+#ppt_h/2"/>
-                                          </p:val>
-                                        </p:tav>
-                                        <p:tav tm="100000">
-                                          <p:val>
-                                            <p:strVal val="#ppt_y"/>
-                                          </p:val>
-                                        </p:tav>
-                                      </p:tavLst>
-                                    </p:anim>
+                                    <p:animEffect transition="in" filter="dissolve">
+                                      <p:cBhvr>
+                                        <p:cTn id="11" dur="500"/>
+                                        <p:tgtEl>
+                                          <p:spTgt spid="7"/>
+                                        </p:tgtEl>
+                                      </p:cBhvr>
+                                    </p:animEffect>
                                   </p:childTnLst>
                                 </p:cTn>
                               </p:par>
@@ -18696,26 +18536,26 @@
                     </p:cTn>
                   </p:par>
                   <p:par>
-                    <p:cTn id="13" fill="hold">
+                    <p:cTn id="12" fill="hold">
                       <p:stCondLst>
                         <p:cond delay="indefinite"/>
                       </p:stCondLst>
                       <p:childTnLst>
                         <p:par>
-                          <p:cTn id="14" fill="hold">
+                          <p:cTn id="13" fill="hold">
                             <p:stCondLst>
                               <p:cond delay="0"/>
                             </p:stCondLst>
                             <p:childTnLst>
                               <p:par>
-                                <p:cTn id="15" presetID="1" presetClass="entr" presetSubtype="0" fill="hold" grpId="0" nodeType="clickEffect">
+                                <p:cTn id="14" presetID="1" presetClass="entr" presetSubtype="0" fill="hold" grpId="0" nodeType="clickEffect">
                                   <p:stCondLst>
                                     <p:cond delay="0"/>
                                   </p:stCondLst>
                                   <p:childTnLst>
                                     <p:set>
                                       <p:cBhvr>
-                                        <p:cTn id="16" dur="1" fill="hold">
+                                        <p:cTn id="15" dur="1" fill="hold">
                                           <p:stCondLst>
                                             <p:cond delay="0"/>
                                           </p:stCondLst>
@@ -18741,26 +18581,26 @@
                     </p:cTn>
                   </p:par>
                   <p:par>
-                    <p:cTn id="17" fill="hold">
+                    <p:cTn id="16" fill="hold">
                       <p:stCondLst>
                         <p:cond delay="indefinite"/>
                       </p:stCondLst>
                       <p:childTnLst>
                         <p:par>
-                          <p:cTn id="18" fill="hold">
+                          <p:cTn id="17" fill="hold">
                             <p:stCondLst>
                               <p:cond delay="0"/>
                             </p:stCondLst>
                             <p:childTnLst>
                               <p:par>
-                                <p:cTn id="19" presetID="2" presetClass="entr" presetSubtype="4" fill="hold" nodeType="clickEffect">
+                                <p:cTn id="18" presetID="2" presetClass="entr" presetSubtype="4" fill="hold" nodeType="clickEffect">
                                   <p:stCondLst>
                                     <p:cond delay="0"/>
                                   </p:stCondLst>
                                   <p:childTnLst>
                                     <p:set>
                                       <p:cBhvr>
-                                        <p:cTn id="20" dur="1" fill="hold">
+                                        <p:cTn id="19" dur="1" fill="hold">
                                           <p:stCondLst>
                                             <p:cond delay="0"/>
                                           </p:stCondLst>
@@ -18778,7 +18618,7 @@
                                     </p:set>
                                     <p:anim calcmode="lin" valueType="num">
                                       <p:cBhvr additive="base">
-                                        <p:cTn id="21" dur="500" fill="hold"/>
+                                        <p:cTn id="20" dur="500" fill="hold"/>
                                         <p:tgtEl>
                                           <p:spTgt spid="5"/>
                                         </p:tgtEl>
@@ -18801,7 +18641,7 @@
                                     </p:anim>
                                     <p:anim calcmode="lin" valueType="num">
                                       <p:cBhvr additive="base">
-                                        <p:cTn id="22" dur="500" fill="hold"/>
+                                        <p:cTn id="21" dur="500" fill="hold"/>
                                         <p:tgtEl>
                                           <p:spTgt spid="5"/>
                                         </p:tgtEl>
@@ -27476,7 +27316,7 @@
                   <a:schemeClr val="bg1"/>
                 </a:solidFill>
               </a:rPr>
-              <a:t>为了支持一门新的语言，或者为了支持一个新的目标平台，就 变得特别困难</a:t>
+              <a:t>为了支持一门新的语言，或者为了支持一个新的目标平台，就变得特别困难</a:t>
             </a:r>
             <a:endParaRPr kumimoji="1" lang="en-US" altLang="zh-CN" dirty="0">
               <a:solidFill>
@@ -33335,7 +33175,7 @@
                   <a:schemeClr val="bg1"/>
                 </a:solidFill>
               </a:rPr>
-              <a:t>8</a:t>
+              <a:t>9</a:t>
             </a:r>
             <a:r>
               <a:rPr lang="zh-CN" altLang="en-US" dirty="0">
